--- a/documents/презентация.pptx
+++ b/documents/презентация.pptx
@@ -250,7 +250,7 @@
           <a:p>
             <a:fld id="{1A405B93-3A7F-4E11-9922-472E8683D7BC}" type="datetimeFigureOut">
               <a:rPr lang="ru-RU" smtClean="0"/>
-              <a:t>08.04.2022</a:t>
+              <a:t>11.04.2022</a:t>
             </a:fld>
             <a:endParaRPr lang="ru-RU"/>
           </a:p>
@@ -420,7 +420,7 @@
           <a:p>
             <a:fld id="{1A405B93-3A7F-4E11-9922-472E8683D7BC}" type="datetimeFigureOut">
               <a:rPr lang="ru-RU" smtClean="0"/>
-              <a:t>08.04.2022</a:t>
+              <a:t>11.04.2022</a:t>
             </a:fld>
             <a:endParaRPr lang="ru-RU"/>
           </a:p>
@@ -600,7 +600,7 @@
           <a:p>
             <a:fld id="{1A405B93-3A7F-4E11-9922-472E8683D7BC}" type="datetimeFigureOut">
               <a:rPr lang="ru-RU" smtClean="0"/>
-              <a:t>08.04.2022</a:t>
+              <a:t>11.04.2022</a:t>
             </a:fld>
             <a:endParaRPr lang="ru-RU"/>
           </a:p>
@@ -770,7 +770,7 @@
           <a:p>
             <a:fld id="{1A405B93-3A7F-4E11-9922-472E8683D7BC}" type="datetimeFigureOut">
               <a:rPr lang="ru-RU" smtClean="0"/>
-              <a:t>08.04.2022</a:t>
+              <a:t>11.04.2022</a:t>
             </a:fld>
             <a:endParaRPr lang="ru-RU"/>
           </a:p>
@@ -1016,7 +1016,7 @@
           <a:p>
             <a:fld id="{1A405B93-3A7F-4E11-9922-472E8683D7BC}" type="datetimeFigureOut">
               <a:rPr lang="ru-RU" smtClean="0"/>
-              <a:t>08.04.2022</a:t>
+              <a:t>11.04.2022</a:t>
             </a:fld>
             <a:endParaRPr lang="ru-RU"/>
           </a:p>
@@ -1248,7 +1248,7 @@
           <a:p>
             <a:fld id="{1A405B93-3A7F-4E11-9922-472E8683D7BC}" type="datetimeFigureOut">
               <a:rPr lang="ru-RU" smtClean="0"/>
-              <a:t>08.04.2022</a:t>
+              <a:t>11.04.2022</a:t>
             </a:fld>
             <a:endParaRPr lang="ru-RU"/>
           </a:p>
@@ -1615,7 +1615,7 @@
           <a:p>
             <a:fld id="{1A405B93-3A7F-4E11-9922-472E8683D7BC}" type="datetimeFigureOut">
               <a:rPr lang="ru-RU" smtClean="0"/>
-              <a:t>08.04.2022</a:t>
+              <a:t>11.04.2022</a:t>
             </a:fld>
             <a:endParaRPr lang="ru-RU"/>
           </a:p>
@@ -1733,7 +1733,7 @@
           <a:p>
             <a:fld id="{1A405B93-3A7F-4E11-9922-472E8683D7BC}" type="datetimeFigureOut">
               <a:rPr lang="ru-RU" smtClean="0"/>
-              <a:t>08.04.2022</a:t>
+              <a:t>11.04.2022</a:t>
             </a:fld>
             <a:endParaRPr lang="ru-RU"/>
           </a:p>
@@ -1828,7 +1828,7 @@
           <a:p>
             <a:fld id="{1A405B93-3A7F-4E11-9922-472E8683D7BC}" type="datetimeFigureOut">
               <a:rPr lang="ru-RU" smtClean="0"/>
-              <a:t>08.04.2022</a:t>
+              <a:t>11.04.2022</a:t>
             </a:fld>
             <a:endParaRPr lang="ru-RU"/>
           </a:p>
@@ -2105,7 +2105,7 @@
           <a:p>
             <a:fld id="{1A405B93-3A7F-4E11-9922-472E8683D7BC}" type="datetimeFigureOut">
               <a:rPr lang="ru-RU" smtClean="0"/>
-              <a:t>08.04.2022</a:t>
+              <a:t>11.04.2022</a:t>
             </a:fld>
             <a:endParaRPr lang="ru-RU"/>
           </a:p>
@@ -2358,7 +2358,7 @@
           <a:p>
             <a:fld id="{1A405B93-3A7F-4E11-9922-472E8683D7BC}" type="datetimeFigureOut">
               <a:rPr lang="ru-RU" smtClean="0"/>
-              <a:t>08.04.2022</a:t>
+              <a:t>11.04.2022</a:t>
             </a:fld>
             <a:endParaRPr lang="ru-RU"/>
           </a:p>
@@ -2428,11 +2428,13 @@
           <a:gsLst>
             <a:gs pos="0">
               <a:schemeClr val="accent1">
-                <a:lumMod val="50000"/>
+                <a:lumMod val="21000"/>
               </a:schemeClr>
             </a:gs>
             <a:gs pos="52000">
-              <a:srgbClr val="7030A0"/>
+              <a:srgbClr val="7030A0">
+                <a:lumMod val="64000"/>
+              </a:srgbClr>
             </a:gs>
             <a:gs pos="98000">
               <a:srgbClr val="9D00BC"/>
@@ -2588,7 +2590,7 @@
           <a:p>
             <a:fld id="{1A405B93-3A7F-4E11-9922-472E8683D7BC}" type="datetimeFigureOut">
               <a:rPr lang="ru-RU" smtClean="0"/>
-              <a:t>08.04.2022</a:t>
+              <a:t>11.04.2022</a:t>
             </a:fld>
             <a:endParaRPr lang="ru-RU"/>
           </a:p>
@@ -3085,11 +3087,6 @@
               </a:rPr>
               <a:t>.</a:t>
             </a:r>
-            <a:endParaRPr lang="en-US" sz="3600" dirty="0" smtClean="0">
-              <a:solidFill>
-                <a:schemeClr val="bg1"/>
-              </a:solidFill>
-            </a:endParaRPr>
           </a:p>
           <a:p>
             <a:r>
@@ -3164,6 +3161,13 @@
   <p:clrMapOvr>
     <a:masterClrMapping/>
   </p:clrMapOvr>
+  <p:timing>
+    <p:tnLst>
+      <p:par>
+        <p:cTn id="1" dur="indefinite" restart="never" nodeType="tmRoot"/>
+      </p:par>
+    </p:tnLst>
+  </p:timing>
 </p:sld>
 </file>
 
@@ -3239,6 +3243,13 @@
   <p:clrMapOvr>
     <a:masterClrMapping/>
   </p:clrMapOvr>
+  <p:timing>
+    <p:tnLst>
+      <p:par>
+        <p:cTn id="1" dur="indefinite" restart="never" nodeType="tmRoot"/>
+      </p:par>
+    </p:tnLst>
+  </p:timing>
 </p:sld>
 </file>
 
@@ -3326,7 +3337,7 @@
                   <a:schemeClr val="bg1"/>
                 </a:solidFill>
               </a:rPr>
-              <a:t>Мой бот выполняет множество различных функций, откуда и пошло его название. </a:t>
+              <a:t>Мой бот выполняет множество различных функций, откуда и пошло его название. Большинство функций никак не связаны друг с другом</a:t>
             </a:r>
             <a:r>
               <a:rPr lang="ru-RU" sz="3600" dirty="0" smtClean="0">
@@ -3334,8 +3345,10 @@
                   <a:schemeClr val="bg1"/>
                 </a:solidFill>
               </a:rPr>
-              <a:t>Большинство функций никак не связаны друг с другом.</a:t>
-            </a:r>
+              <a:t>.</a:t>
+            </a:r>
+          </a:p>
+          <a:p>
             <a:endParaRPr lang="en-US" sz="3600" dirty="0">
               <a:solidFill>
                 <a:schemeClr val="bg1"/>
@@ -3361,6 +3374,13 @@
   <p:clrMapOvr>
     <a:masterClrMapping/>
   </p:clrMapOvr>
+  <p:timing>
+    <p:tnLst>
+      <p:par>
+        <p:cTn id="1" dur="indefinite" restart="never" nodeType="tmRoot"/>
+      </p:par>
+    </p:tnLst>
+  </p:timing>
 </p:sld>
 </file>
 
@@ -3441,7 +3461,15 @@
                   <a:schemeClr val="bg1"/>
                 </a:solidFill>
               </a:rPr>
-              <a:t>В своём проекте я </a:t>
+              <a:t>В своём проекте я использую</a:t>
+            </a:r>
+            <a:r>
+              <a:rPr lang="en-US" sz="3200" dirty="0" smtClean="0">
+                <a:solidFill>
+                  <a:schemeClr val="bg1"/>
+                </a:solidFill>
+              </a:rPr>
+              <a:t> </a:t>
             </a:r>
             <a:r>
               <a:rPr lang="ru-RU" sz="3200" dirty="0" smtClean="0">
@@ -3449,7 +3477,7 @@
                   <a:schemeClr val="bg1"/>
                 </a:solidFill>
               </a:rPr>
-              <a:t>использую</a:t>
+              <a:t>библиотеки</a:t>
             </a:r>
             <a:r>
               <a:rPr lang="en-US" sz="3200" dirty="0" smtClean="0">
@@ -3457,30 +3485,6 @@
                   <a:schemeClr val="bg1"/>
                 </a:solidFill>
               </a:rPr>
-              <a:t> </a:t>
-            </a:r>
-            <a:r>
-              <a:rPr lang="ru-RU" sz="3200" dirty="0" smtClean="0">
-                <a:solidFill>
-                  <a:schemeClr val="bg1"/>
-                </a:solidFill>
-              </a:rPr>
-              <a:t>библиотек</a:t>
-            </a:r>
-            <a:r>
-              <a:rPr lang="ru-RU" sz="3200" dirty="0" smtClean="0">
-                <a:solidFill>
-                  <a:schemeClr val="bg1"/>
-                </a:solidFill>
-              </a:rPr>
-              <a:t>и</a:t>
-            </a:r>
-            <a:r>
-              <a:rPr lang="en-US" sz="3200" dirty="0" smtClean="0">
-                <a:solidFill>
-                  <a:schemeClr val="bg1"/>
-                </a:solidFill>
-              </a:rPr>
               <a:t>: </a:t>
             </a:r>
             <a:r>
@@ -3489,15 +3493,7 @@
                   <a:schemeClr val="bg1"/>
                 </a:solidFill>
               </a:rPr>
-              <a:t>P</a:t>
-            </a:r>
-            <a:r>
-              <a:rPr lang="en-US" sz="3200" dirty="0" err="1" smtClean="0">
-                <a:solidFill>
-                  <a:schemeClr val="bg1"/>
-                </a:solidFill>
-              </a:rPr>
-              <a:t>yTelegramBotAPI</a:t>
+              <a:t>PyTelegramBotAPI</a:t>
             </a:r>
             <a:r>
               <a:rPr lang="en-US" sz="3200" dirty="0">
@@ -3592,20 +3588,20 @@
               <a:t>, </a:t>
             </a:r>
             <a:r>
-              <a:rPr lang="ru-RU" sz="3200" dirty="0" err="1" smtClean="0">
-                <a:solidFill>
-                  <a:schemeClr val="bg1"/>
-                </a:solidFill>
-              </a:rPr>
-              <a:t>соответсвующем</a:t>
-            </a:r>
-            <a:r>
               <a:rPr lang="ru-RU" sz="3200" dirty="0" smtClean="0">
                 <a:solidFill>
                   <a:schemeClr val="bg1"/>
                 </a:solidFill>
               </a:rPr>
-              <a:t> стандарту.</a:t>
+              <a:t>соответствующем </a:t>
+            </a:r>
+            <a:r>
+              <a:rPr lang="ru-RU" sz="3200" dirty="0" smtClean="0">
+                <a:solidFill>
+                  <a:schemeClr val="bg1"/>
+                </a:solidFill>
+              </a:rPr>
+              <a:t>стандарту.</a:t>
             </a:r>
             <a:endParaRPr lang="ru-RU" sz="3200" dirty="0">
               <a:solidFill>
@@ -3625,6 +3621,13 @@
   <p:clrMapOvr>
     <a:masterClrMapping/>
   </p:clrMapOvr>
+  <p:timing>
+    <p:tnLst>
+      <p:par>
+        <p:cTn id="1" dur="indefinite" restart="never" nodeType="tmRoot"/>
+      </p:par>
+    </p:tnLst>
+  </p:timing>
 </p:sld>
 </file>
 
@@ -3712,7 +3715,7 @@
                   <a:schemeClr val="bg1"/>
                 </a:solidFill>
               </a:rPr>
-              <a:t>В своей программе я буду использовать </a:t>
+              <a:t>В своей программе я </a:t>
             </a:r>
             <a:r>
               <a:rPr lang="ru-RU" sz="3200" dirty="0" smtClean="0">
@@ -3720,7 +3723,23 @@
                   <a:schemeClr val="bg1"/>
                 </a:solidFill>
               </a:rPr>
-              <a:t>множество функций для выполнение определенных запросов</a:t>
+              <a:t>использую множество </a:t>
+            </a:r>
+            <a:r>
+              <a:rPr lang="ru-RU" sz="3200" dirty="0" smtClean="0">
+                <a:solidFill>
+                  <a:schemeClr val="bg1"/>
+                </a:solidFill>
+              </a:rPr>
+              <a:t>функций для </a:t>
+            </a:r>
+            <a:r>
+              <a:rPr lang="ru-RU" sz="3200" dirty="0" smtClean="0">
+                <a:solidFill>
+                  <a:schemeClr val="bg1"/>
+                </a:solidFill>
+              </a:rPr>
+              <a:t>выполнения запросов</a:t>
             </a:r>
             <a:r>
               <a:rPr lang="ru-RU" sz="3200" dirty="0" smtClean="0">
@@ -3758,6 +3777,13 @@
   <p:clrMapOvr>
     <a:masterClrMapping/>
   </p:clrMapOvr>
+  <p:timing>
+    <p:tnLst>
+      <p:par>
+        <p:cTn id="1" dur="indefinite" restart="never" nodeType="tmRoot"/>
+      </p:par>
+    </p:tnLst>
+  </p:timing>
 </p:sld>
 </file>
 
@@ -3766,30 +3792,9 @@
   <p:cSld>
     <p:bg>
       <p:bgPr>
-        <a:gradFill flip="none" rotWithShape="1">
-          <a:gsLst>
-            <a:gs pos="76000">
-              <a:srgbClr val="0070C0"/>
-            </a:gs>
-            <a:gs pos="57000">
-              <a:srgbClr val="00B050"/>
-            </a:gs>
-            <a:gs pos="36000">
-              <a:srgbClr val="FFFF00"/>
-            </a:gs>
-            <a:gs pos="17000">
-              <a:srgbClr val="FFC000"/>
-            </a:gs>
-            <a:gs pos="0">
-              <a:srgbClr val="FF0000"/>
-            </a:gs>
-            <a:gs pos="94000">
-              <a:srgbClr val="B200D6"/>
-            </a:gs>
-          </a:gsLst>
-          <a:lin ang="5400000" scaled="1"/>
-          <a:tileRect/>
-        </a:gradFill>
+        <a:solidFill>
+          <a:schemeClr val="bg1"/>
+        </a:solidFill>
         <a:effectLst/>
       </p:bgPr>
     </p:bg>
@@ -3819,42 +3824,100 @@
         </p:nvSpPr>
         <p:spPr/>
         <p:txBody>
-          <a:bodyPr>
-            <a:noAutofit/>
+          <a:bodyPr/>
+          <a:lstStyle/>
+          <a:p>
+            <a:r>
+              <a:rPr lang="en-US" dirty="0" smtClean="0"/>
+              <a:t>ERROR 404</a:t>
+            </a:r>
+            <a:endParaRPr lang="ru-RU" dirty="0"/>
+          </a:p>
+        </p:txBody>
+      </p:sp>
+      <p:sp>
+        <p:nvSpPr>
+          <p:cNvPr id="3" name="Объект 2"/>
+          <p:cNvSpPr>
+            <a:spLocks noGrp="1"/>
+          </p:cNvSpPr>
+          <p:nvPr>
+            <p:ph idx="1"/>
+          </p:nvPr>
+        </p:nvSpPr>
+        <p:spPr/>
+        <p:txBody>
+          <a:bodyPr/>
+          <a:lstStyle/>
+          <a:p>
+            <a:r>
+              <a:rPr lang="ru-RU" dirty="0" smtClean="0"/>
+              <a:t>СКРИНОВ НЕ БУДЕТ. ЭТО ДОЛГО,  А МНЕ ЛЕНЬ.</a:t>
+            </a:r>
+            <a:endParaRPr lang="ru-RU" dirty="0"/>
+          </a:p>
+        </p:txBody>
+      </p:sp>
+      <p:pic>
+        <p:nvPicPr>
+          <p:cNvPr id="9" name="DdVxKVBlMfY"/>
+          <p:cNvPicPr>
+            <a:picLocks noRot="1" noChangeAspect="1"/>
+          </p:cNvPicPr>
+          <p:nvPr>
+            <a:videoFile r:link="rId1"/>
+          </p:nvPr>
+        </p:nvPicPr>
+        <p:blipFill>
+          <a:blip r:embed="rId3"/>
+          <a:stretch>
+            <a:fillRect/>
+          </a:stretch>
+        </p:blipFill>
+        <p:spPr>
+          <a:xfrm>
+            <a:off x="-1" y="0"/>
+            <a:ext cx="12192000" cy="6858000"/>
+          </a:xfrm>
+          <a:prstGeom prst="rect">
+            <a:avLst/>
+          </a:prstGeom>
+        </p:spPr>
+      </p:pic>
+      <p:sp>
+        <p:nvSpPr>
+          <p:cNvPr id="10" name="Прямоугольник 9"/>
+          <p:cNvSpPr/>
+          <p:nvPr/>
+        </p:nvSpPr>
+        <p:spPr>
+          <a:xfrm>
+            <a:off x="997528" y="4294909"/>
+            <a:ext cx="11896435" cy="2308324"/>
+          </a:xfrm>
+          <a:prstGeom prst="rect">
+            <a:avLst/>
+          </a:prstGeom>
+        </p:spPr>
+        <p:txBody>
+          <a:bodyPr wrap="square">
+            <a:spAutoFit/>
           </a:bodyPr>
           <a:lstStyle/>
           <a:p>
-            <a:pPr algn="ctr"/>
-            <a:r>
-              <a:rPr lang="en-US" sz="9600" b="1" dirty="0" smtClean="0"/>
-              <a:t>ERROR 404</a:t>
-            </a:r>
-            <a:endParaRPr lang="ru-RU" sz="9600" b="1" dirty="0"/>
-          </a:p>
-        </p:txBody>
-      </p:sp>
-      <p:sp>
-        <p:nvSpPr>
-          <p:cNvPr id="3" name="Объект 2"/>
-          <p:cNvSpPr>
-            <a:spLocks noGrp="1"/>
-          </p:cNvSpPr>
-          <p:nvPr>
-            <p:ph idx="1"/>
-          </p:nvPr>
-        </p:nvSpPr>
-        <p:spPr/>
-        <p:txBody>
-          <a:bodyPr>
-            <a:normAutofit/>
-          </a:bodyPr>
-          <a:lstStyle/>
-          <a:p>
-            <a:r>
-              <a:rPr lang="ru-RU" sz="8800" b="1" dirty="0" smtClean="0"/>
+            <a:r>
+              <a:rPr lang="ru-RU" sz="7200" dirty="0">
+                <a:solidFill>
+                  <a:srgbClr val="FFC000"/>
+                </a:solidFill>
+              </a:rPr>
               <a:t>СКРИНОВ НЕ БУДЕТ. ЭТО ДОЛГО,  А МНЕ ЛЕНЬ.</a:t>
             </a:r>
-            <a:endParaRPr lang="ru-RU" sz="8800" b="1" dirty="0"/>
+            <a:endParaRPr lang="ru-RU" sz="7200" dirty="0">
+              <a:solidFill>
+                <a:srgbClr val="FFC000"/>
+              </a:solidFill>
+            </a:endParaRPr>
           </a:p>
         </p:txBody>
       </p:sp>
@@ -3868,6 +3931,144 @@
   <p:clrMapOvr>
     <a:masterClrMapping/>
   </p:clrMapOvr>
+  <p:timing>
+    <p:tnLst>
+      <p:par>
+        <p:cTn id="1" dur="indefinite" restart="never" nodeType="tmRoot">
+          <p:childTnLst>
+            <p:seq concurrent="1" nextAc="seek">
+              <p:cTn id="2" dur="indefinite" nodeType="mainSeq">
+                <p:childTnLst>
+                  <p:par>
+                    <p:cTn id="3" fill="hold">
+                      <p:stCondLst>
+                        <p:cond delay="indefinite"/>
+                        <p:cond evt="onBegin" delay="0">
+                          <p:tn val="2"/>
+                        </p:cond>
+                      </p:stCondLst>
+                      <p:childTnLst>
+                        <p:par>
+                          <p:cTn id="4" fill="hold">
+                            <p:stCondLst>
+                              <p:cond delay="0"/>
+                            </p:stCondLst>
+                            <p:childTnLst>
+                              <p:par>
+                                <p:cTn id="5" presetID="1" presetClass="mediacall" presetSubtype="0" fill="hold" nodeType="afterEffect">
+                                  <p:stCondLst>
+                                    <p:cond delay="0"/>
+                                  </p:stCondLst>
+                                  <p:childTnLst>
+                                    <p:cmd type="call" cmd="playFrom(0.0)">
+                                      <p:cBhvr>
+                                        <p:cTn id="6" dur="1" fill="hold"/>
+                                        <p:tgtEl>
+                                          <p:spTgt spid="9"/>
+                                        </p:tgtEl>
+                                      </p:cBhvr>
+                                    </p:cmd>
+                                  </p:childTnLst>
+                                </p:cTn>
+                              </p:par>
+                            </p:childTnLst>
+                          </p:cTn>
+                        </p:par>
+                      </p:childTnLst>
+                    </p:cTn>
+                  </p:par>
+                </p:childTnLst>
+              </p:cTn>
+              <p:prevCondLst>
+                <p:cond evt="onPrev" delay="0">
+                  <p:tgtEl>
+                    <p:sldTgt/>
+                  </p:tgtEl>
+                </p:cond>
+              </p:prevCondLst>
+              <p:nextCondLst>
+                <p:cond evt="onNext" delay="0">
+                  <p:tgtEl>
+                    <p:sldTgt/>
+                  </p:tgtEl>
+                </p:cond>
+              </p:nextCondLst>
+            </p:seq>
+            <p:video>
+              <p:cMediaNode>
+                <p:cTn id="7" fill="hold" display="0">
+                  <p:stCondLst>
+                    <p:cond delay="indefinite"/>
+                  </p:stCondLst>
+                </p:cTn>
+                <p:tgtEl>
+                  <p:spTgt spid="9"/>
+                </p:tgtEl>
+              </p:cMediaNode>
+            </p:video>
+            <p:seq concurrent="1" nextAc="seek">
+              <p:cTn id="8" restart="whenNotActive" fill="hold" evtFilter="cancelBubble" nodeType="interactiveSeq">
+                <p:stCondLst>
+                  <p:cond evt="onClick" delay="0">
+                    <p:tgtEl>
+                      <p:spTgt spid="9"/>
+                    </p:tgtEl>
+                  </p:cond>
+                </p:stCondLst>
+                <p:endSync evt="end" delay="0">
+                  <p:rtn val="all"/>
+                </p:endSync>
+                <p:childTnLst>
+                  <p:par>
+                    <p:cTn id="9" fill="hold">
+                      <p:stCondLst>
+                        <p:cond delay="0"/>
+                      </p:stCondLst>
+                      <p:childTnLst>
+                        <p:par>
+                          <p:cTn id="10" fill="hold">
+                            <p:stCondLst>
+                              <p:cond delay="0"/>
+                            </p:stCondLst>
+                            <p:childTnLst>
+                              <p:par>
+                                <p:cTn id="11" presetID="2" presetClass="mediacall" presetSubtype="0" fill="hold" nodeType="clickEffect">
+                                  <p:stCondLst>
+                                    <p:cond delay="0"/>
+                                  </p:stCondLst>
+                                  <p:childTnLst>
+                                    <p:cmd type="call" cmd="togglePause">
+                                      <p:cBhvr>
+                                        <p:cTn id="12" dur="1" fill="hold"/>
+                                        <p:tgtEl>
+                                          <p:spTgt spid="9"/>
+                                        </p:tgtEl>
+                                      </p:cBhvr>
+                                    </p:cmd>
+                                  </p:childTnLst>
+                                </p:cTn>
+                              </p:par>
+                            </p:childTnLst>
+                          </p:cTn>
+                        </p:par>
+                      </p:childTnLst>
+                    </p:cTn>
+                  </p:par>
+                </p:childTnLst>
+              </p:cTn>
+              <p:nextCondLst>
+                <p:cond evt="onClick" delay="0">
+                  <p:tgtEl>
+                    <p:spTgt spid="9"/>
+                  </p:tgtEl>
+                </p:cond>
+              </p:nextCondLst>
+            </p:seq>
+          </p:childTnLst>
+        </p:cTn>
+      </p:par>
+    </p:tnLst>
+  </p:timing>
 </p:sld>
 </file>
 
@@ -3958,23 +4159,33 @@
                   <a:schemeClr val="bg1"/>
                 </a:solidFill>
               </a:rPr>
-              <a:t>Я закончил работу над </a:t>
-            </a:r>
+              <a:t>Я закончил работу над проектом и очень доволен результатом.</a:t>
+            </a:r>
+          </a:p>
+          <a:p>
+            <a:pPr marL="0" indent="0" algn="ctr">
+              <a:buNone/>
+            </a:pPr>
             <a:r>
               <a:rPr lang="ru-RU" sz="3200" dirty="0" smtClean="0">
                 <a:solidFill>
                   <a:schemeClr val="bg1"/>
                 </a:solidFill>
               </a:rPr>
-              <a:t>проектом </a:t>
-            </a:r>
+              <a:t>Бот получился таким, каким я и хотел.</a:t>
+            </a:r>
+          </a:p>
+          <a:p>
+            <a:pPr marL="0" indent="0" algn="ctr">
+              <a:buNone/>
+            </a:pPr>
             <a:r>
               <a:rPr lang="ru-RU" sz="3200" dirty="0" smtClean="0">
                 <a:solidFill>
                   <a:schemeClr val="bg1"/>
                 </a:solidFill>
               </a:rPr>
-              <a:t>и очень доволен результатом.</a:t>
+              <a:t> Я выполнил все пункты технического задания.</a:t>
             </a:r>
           </a:p>
           <a:p>
@@ -3987,65 +4198,7 @@
                   <a:schemeClr val="bg1"/>
                 </a:solidFill>
               </a:rPr>
-              <a:t>Бот получился таким, каким </a:t>
-            </a:r>
-            <a:r>
-              <a:rPr lang="ru-RU" sz="3200" dirty="0" smtClean="0">
-                <a:solidFill>
-                  <a:schemeClr val="bg1"/>
-                </a:solidFill>
-              </a:rPr>
-              <a:t>я и хотел</a:t>
-            </a:r>
-            <a:r>
-              <a:rPr lang="ru-RU" sz="3200" dirty="0" smtClean="0">
-                <a:solidFill>
-                  <a:schemeClr val="bg1"/>
-                </a:solidFill>
-              </a:rPr>
-              <a:t>.</a:t>
-            </a:r>
-          </a:p>
-          <a:p>
-            <a:pPr marL="0" indent="0" algn="ctr">
-              <a:buNone/>
-            </a:pPr>
-            <a:r>
-              <a:rPr lang="ru-RU" sz="3200" dirty="0" smtClean="0">
-                <a:solidFill>
-                  <a:schemeClr val="bg1"/>
-                </a:solidFill>
-              </a:rPr>
-              <a:t> Я </a:t>
-            </a:r>
-            <a:r>
-              <a:rPr lang="ru-RU" sz="3200" dirty="0" smtClean="0">
-                <a:solidFill>
-                  <a:schemeClr val="bg1"/>
-                </a:solidFill>
-              </a:rPr>
-              <a:t>выполнил все пункты технического задания.</a:t>
-            </a:r>
-          </a:p>
-          <a:p>
-            <a:pPr marL="0" indent="0" algn="ctr">
-              <a:buNone/>
-            </a:pPr>
-            <a:r>
-              <a:rPr lang="ru-RU" sz="3200" dirty="0" smtClean="0">
-                <a:solidFill>
-                  <a:schemeClr val="bg1"/>
-                </a:solidFill>
-              </a:rPr>
-              <a:t>В процессе работы я </a:t>
-            </a:r>
-            <a:r>
-              <a:rPr lang="ru-RU" sz="3200" dirty="0" smtClean="0">
-                <a:solidFill>
-                  <a:schemeClr val="bg1"/>
-                </a:solidFill>
-              </a:rPr>
-              <a:t>изучил тему создания бота</a:t>
+              <a:t>В процессе работы я изучил тему создания бота</a:t>
             </a:r>
             <a:r>
               <a:rPr lang="en-US" sz="3200" dirty="0" smtClean="0">
@@ -4073,6 +4226,13 @@
   <p:clrMapOvr>
     <a:masterClrMapping/>
   </p:clrMapOvr>
+  <p:timing>
+    <p:tnLst>
+      <p:par>
+        <p:cTn id="1" dur="indefinite" restart="never" nodeType="tmRoot"/>
+      </p:par>
+    </p:tnLst>
+  </p:timing>
 </p:sld>
 </file>
 
@@ -4185,11 +4345,6 @@
               </a:rPr>
               <a:t>.</a:t>
             </a:r>
-            <a:endParaRPr lang="en-US" sz="3600" dirty="0" smtClean="0">
-              <a:solidFill>
-                <a:schemeClr val="bg1"/>
-              </a:solidFill>
-            </a:endParaRPr>
           </a:p>
           <a:p>
             <a:r>
@@ -4264,6 +4419,13 @@
   <p:clrMapOvr>
     <a:masterClrMapping/>
   </p:clrMapOvr>
+  <p:timing>
+    <p:tnLst>
+      <p:par>
+        <p:cTn id="1" dur="indefinite" restart="never" nodeType="tmRoot"/>
+      </p:par>
+    </p:tnLst>
+  </p:timing>
 </p:sld>
 </file>
 

--- a/documents/презентация.pptx
+++ b/documents/презентация.pptx
@@ -10,9 +10,15 @@
     <p:sldId id="257" r:id="rId4"/>
     <p:sldId id="261" r:id="rId5"/>
     <p:sldId id="258" r:id="rId6"/>
-    <p:sldId id="264" r:id="rId7"/>
-    <p:sldId id="259" r:id="rId8"/>
-    <p:sldId id="265" r:id="rId9"/>
+    <p:sldId id="266" r:id="rId7"/>
+    <p:sldId id="267" r:id="rId8"/>
+    <p:sldId id="268" r:id="rId9"/>
+    <p:sldId id="269" r:id="rId10"/>
+    <p:sldId id="270" r:id="rId11"/>
+    <p:sldId id="271" r:id="rId12"/>
+    <p:sldId id="272" r:id="rId13"/>
+    <p:sldId id="259" r:id="rId14"/>
+    <p:sldId id="265" r:id="rId15"/>
   </p:sldIdLst>
   <p:sldSz cx="12192000" cy="6858000"/>
   <p:notesSz cx="6858000" cy="9144000"/>
@@ -250,7 +256,7 @@
           <a:p>
             <a:fld id="{1A405B93-3A7F-4E11-9922-472E8683D7BC}" type="datetimeFigureOut">
               <a:rPr lang="ru-RU" smtClean="0"/>
-              <a:t>11.04.2022</a:t>
+              <a:t>18.04.2022</a:t>
             </a:fld>
             <a:endParaRPr lang="ru-RU"/>
           </a:p>
@@ -420,7 +426,7 @@
           <a:p>
             <a:fld id="{1A405B93-3A7F-4E11-9922-472E8683D7BC}" type="datetimeFigureOut">
               <a:rPr lang="ru-RU" smtClean="0"/>
-              <a:t>11.04.2022</a:t>
+              <a:t>18.04.2022</a:t>
             </a:fld>
             <a:endParaRPr lang="ru-RU"/>
           </a:p>
@@ -600,7 +606,7 @@
           <a:p>
             <a:fld id="{1A405B93-3A7F-4E11-9922-472E8683D7BC}" type="datetimeFigureOut">
               <a:rPr lang="ru-RU" smtClean="0"/>
-              <a:t>11.04.2022</a:t>
+              <a:t>18.04.2022</a:t>
             </a:fld>
             <a:endParaRPr lang="ru-RU"/>
           </a:p>
@@ -770,7 +776,7 @@
           <a:p>
             <a:fld id="{1A405B93-3A7F-4E11-9922-472E8683D7BC}" type="datetimeFigureOut">
               <a:rPr lang="ru-RU" smtClean="0"/>
-              <a:t>11.04.2022</a:t>
+              <a:t>18.04.2022</a:t>
             </a:fld>
             <a:endParaRPr lang="ru-RU"/>
           </a:p>
@@ -1016,7 +1022,7 @@
           <a:p>
             <a:fld id="{1A405B93-3A7F-4E11-9922-472E8683D7BC}" type="datetimeFigureOut">
               <a:rPr lang="ru-RU" smtClean="0"/>
-              <a:t>11.04.2022</a:t>
+              <a:t>18.04.2022</a:t>
             </a:fld>
             <a:endParaRPr lang="ru-RU"/>
           </a:p>
@@ -1248,7 +1254,7 @@
           <a:p>
             <a:fld id="{1A405B93-3A7F-4E11-9922-472E8683D7BC}" type="datetimeFigureOut">
               <a:rPr lang="ru-RU" smtClean="0"/>
-              <a:t>11.04.2022</a:t>
+              <a:t>18.04.2022</a:t>
             </a:fld>
             <a:endParaRPr lang="ru-RU"/>
           </a:p>
@@ -1615,7 +1621,7 @@
           <a:p>
             <a:fld id="{1A405B93-3A7F-4E11-9922-472E8683D7BC}" type="datetimeFigureOut">
               <a:rPr lang="ru-RU" smtClean="0"/>
-              <a:t>11.04.2022</a:t>
+              <a:t>18.04.2022</a:t>
             </a:fld>
             <a:endParaRPr lang="ru-RU"/>
           </a:p>
@@ -1733,7 +1739,7 @@
           <a:p>
             <a:fld id="{1A405B93-3A7F-4E11-9922-472E8683D7BC}" type="datetimeFigureOut">
               <a:rPr lang="ru-RU" smtClean="0"/>
-              <a:t>11.04.2022</a:t>
+              <a:t>18.04.2022</a:t>
             </a:fld>
             <a:endParaRPr lang="ru-RU"/>
           </a:p>
@@ -1828,7 +1834,7 @@
           <a:p>
             <a:fld id="{1A405B93-3A7F-4E11-9922-472E8683D7BC}" type="datetimeFigureOut">
               <a:rPr lang="ru-RU" smtClean="0"/>
-              <a:t>11.04.2022</a:t>
+              <a:t>18.04.2022</a:t>
             </a:fld>
             <a:endParaRPr lang="ru-RU"/>
           </a:p>
@@ -2105,7 +2111,7 @@
           <a:p>
             <a:fld id="{1A405B93-3A7F-4E11-9922-472E8683D7BC}" type="datetimeFigureOut">
               <a:rPr lang="ru-RU" smtClean="0"/>
-              <a:t>11.04.2022</a:t>
+              <a:t>18.04.2022</a:t>
             </a:fld>
             <a:endParaRPr lang="ru-RU"/>
           </a:p>
@@ -2358,7 +2364,7 @@
           <a:p>
             <a:fld id="{1A405B93-3A7F-4E11-9922-472E8683D7BC}" type="datetimeFigureOut">
               <a:rPr lang="ru-RU" smtClean="0"/>
-              <a:t>11.04.2022</a:t>
+              <a:t>18.04.2022</a:t>
             </a:fld>
             <a:endParaRPr lang="ru-RU"/>
           </a:p>
@@ -2590,7 +2596,7 @@
           <a:p>
             <a:fld id="{1A405B93-3A7F-4E11-9922-472E8683D7BC}" type="datetimeFigureOut">
               <a:rPr lang="ru-RU" smtClean="0"/>
-              <a:t>11.04.2022</a:t>
+              <a:t>18.04.2022</a:t>
             </a:fld>
             <a:endParaRPr lang="ru-RU"/>
           </a:p>
@@ -3171,6 +3177,714 @@
 </p:sld>
 </file>
 
+<file path=ppt/slides/slide10.xml><?xml version="1.0" encoding="utf-8"?>
+<p:sld xmlns:a="http://schemas.openxmlformats.org/drawingml/2006/main" xmlns:r="http://schemas.openxmlformats.org/officeDocument/2006/relationships" xmlns:p="http://schemas.openxmlformats.org/presentationml/2006/main">
+  <p:cSld>
+    <p:spTree>
+      <p:nvGrpSpPr>
+        <p:cNvPr id="1" name=""/>
+        <p:cNvGrpSpPr/>
+        <p:nvPr/>
+      </p:nvGrpSpPr>
+      <p:grpSpPr>
+        <a:xfrm>
+          <a:off x="0" y="0"/>
+          <a:ext cx="0" cy="0"/>
+          <a:chOff x="0" y="0"/>
+          <a:chExt cx="0" cy="0"/>
+        </a:xfrm>
+      </p:grpSpPr>
+      <p:sp>
+        <p:nvSpPr>
+          <p:cNvPr id="2" name="Заголовок 1"/>
+          <p:cNvSpPr>
+            <a:spLocks noGrp="1"/>
+          </p:cNvSpPr>
+          <p:nvPr>
+            <p:ph type="title"/>
+          </p:nvPr>
+        </p:nvSpPr>
+        <p:spPr>
+          <a:xfrm>
+            <a:off x="-1692613" y="365125"/>
+            <a:ext cx="671209" cy="1325563"/>
+          </a:xfrm>
+        </p:spPr>
+        <p:txBody>
+          <a:bodyPr/>
+          <a:lstStyle/>
+          <a:p>
+            <a:r>
+              <a:rPr lang="ru-RU" dirty="0" smtClean="0"/>
+              <a:t> </a:t>
+            </a:r>
+            <a:endParaRPr lang="ru-RU" dirty="0"/>
+          </a:p>
+        </p:txBody>
+      </p:sp>
+      <p:sp>
+        <p:nvSpPr>
+          <p:cNvPr id="3" name="Объект 2"/>
+          <p:cNvSpPr>
+            <a:spLocks noGrp="1"/>
+          </p:cNvSpPr>
+          <p:nvPr>
+            <p:ph idx="1"/>
+          </p:nvPr>
+        </p:nvSpPr>
+        <p:spPr>
+          <a:xfrm>
+            <a:off x="-1402728" y="1786714"/>
+            <a:ext cx="45719" cy="217184"/>
+          </a:xfrm>
+        </p:spPr>
+        <p:txBody>
+          <a:bodyPr>
+            <a:normAutofit fontScale="40000" lnSpcReduction="20000"/>
+          </a:bodyPr>
+          <a:lstStyle/>
+          <a:p>
+            <a:pPr marL="0" indent="0">
+              <a:buNone/>
+            </a:pPr>
+            <a:r>
+              <a:rPr lang="ru-RU" dirty="0" smtClean="0"/>
+              <a:t> </a:t>
+            </a:r>
+          </a:p>
+          <a:p>
+            <a:endParaRPr lang="ru-RU" dirty="0"/>
+          </a:p>
+        </p:txBody>
+      </p:sp>
+      <p:pic>
+        <p:nvPicPr>
+          <p:cNvPr id="4" name="Рисунок 3"/>
+          <p:cNvPicPr>
+            <a:picLocks noChangeAspect="1"/>
+          </p:cNvPicPr>
+          <p:nvPr/>
+        </p:nvPicPr>
+        <p:blipFill>
+          <a:blip r:embed="rId2"/>
+          <a:stretch>
+            <a:fillRect/>
+          </a:stretch>
+        </p:blipFill>
+        <p:spPr>
+          <a:xfrm>
+            <a:off x="1018094" y="-5639"/>
+            <a:ext cx="10143241" cy="6863639"/>
+          </a:xfrm>
+          <a:prstGeom prst="rect">
+            <a:avLst/>
+          </a:prstGeom>
+        </p:spPr>
+      </p:pic>
+    </p:spTree>
+    <p:extLst>
+      <p:ext uri="{BB962C8B-B14F-4D97-AF65-F5344CB8AC3E}">
+        <p14:creationId xmlns:p14="http://schemas.microsoft.com/office/powerpoint/2010/main" val="1635081931"/>
+      </p:ext>
+    </p:extLst>
+  </p:cSld>
+  <p:clrMapOvr>
+    <a:masterClrMapping/>
+  </p:clrMapOvr>
+</p:sld>
+</file>
+
+<file path=ppt/slides/slide11.xml><?xml version="1.0" encoding="utf-8"?>
+<p:sld xmlns:a="http://schemas.openxmlformats.org/drawingml/2006/main" xmlns:r="http://schemas.openxmlformats.org/officeDocument/2006/relationships" xmlns:p="http://schemas.openxmlformats.org/presentationml/2006/main">
+  <p:cSld>
+    <p:spTree>
+      <p:nvGrpSpPr>
+        <p:cNvPr id="1" name=""/>
+        <p:cNvGrpSpPr/>
+        <p:nvPr/>
+      </p:nvGrpSpPr>
+      <p:grpSpPr>
+        <a:xfrm>
+          <a:off x="0" y="0"/>
+          <a:ext cx="0" cy="0"/>
+          <a:chOff x="0" y="0"/>
+          <a:chExt cx="0" cy="0"/>
+        </a:xfrm>
+      </p:grpSpPr>
+      <p:sp>
+        <p:nvSpPr>
+          <p:cNvPr id="2" name="Заголовок 1"/>
+          <p:cNvSpPr>
+            <a:spLocks noGrp="1"/>
+          </p:cNvSpPr>
+          <p:nvPr>
+            <p:ph type="title"/>
+          </p:nvPr>
+        </p:nvSpPr>
+        <p:spPr>
+          <a:xfrm>
+            <a:off x="-1692613" y="365125"/>
+            <a:ext cx="671209" cy="1325563"/>
+          </a:xfrm>
+        </p:spPr>
+        <p:txBody>
+          <a:bodyPr/>
+          <a:lstStyle/>
+          <a:p>
+            <a:r>
+              <a:rPr lang="ru-RU" dirty="0" smtClean="0"/>
+              <a:t> </a:t>
+            </a:r>
+            <a:endParaRPr lang="ru-RU" dirty="0"/>
+          </a:p>
+        </p:txBody>
+      </p:sp>
+      <p:sp>
+        <p:nvSpPr>
+          <p:cNvPr id="3" name="Объект 2"/>
+          <p:cNvSpPr>
+            <a:spLocks noGrp="1"/>
+          </p:cNvSpPr>
+          <p:nvPr>
+            <p:ph idx="1"/>
+          </p:nvPr>
+        </p:nvSpPr>
+        <p:spPr>
+          <a:xfrm>
+            <a:off x="-1402728" y="1786714"/>
+            <a:ext cx="45719" cy="217184"/>
+          </a:xfrm>
+        </p:spPr>
+        <p:txBody>
+          <a:bodyPr>
+            <a:normAutofit fontScale="40000" lnSpcReduction="20000"/>
+          </a:bodyPr>
+          <a:lstStyle/>
+          <a:p>
+            <a:pPr marL="0" indent="0">
+              <a:buNone/>
+            </a:pPr>
+            <a:r>
+              <a:rPr lang="ru-RU" dirty="0" smtClean="0"/>
+              <a:t> </a:t>
+            </a:r>
+          </a:p>
+          <a:p>
+            <a:endParaRPr lang="ru-RU" dirty="0"/>
+          </a:p>
+        </p:txBody>
+      </p:sp>
+      <p:pic>
+        <p:nvPicPr>
+          <p:cNvPr id="5" name="Рисунок 4"/>
+          <p:cNvPicPr>
+            <a:picLocks noChangeAspect="1"/>
+          </p:cNvPicPr>
+          <p:nvPr/>
+        </p:nvPicPr>
+        <p:blipFill>
+          <a:blip r:embed="rId2"/>
+          <a:stretch>
+            <a:fillRect/>
+          </a:stretch>
+        </p:blipFill>
+        <p:spPr>
+          <a:xfrm>
+            <a:off x="980387" y="0"/>
+            <a:ext cx="10096107" cy="6873066"/>
+          </a:xfrm>
+          <a:prstGeom prst="rect">
+            <a:avLst/>
+          </a:prstGeom>
+        </p:spPr>
+      </p:pic>
+    </p:spTree>
+    <p:extLst>
+      <p:ext uri="{BB962C8B-B14F-4D97-AF65-F5344CB8AC3E}">
+        <p14:creationId xmlns:p14="http://schemas.microsoft.com/office/powerpoint/2010/main" val="523293276"/>
+      </p:ext>
+    </p:extLst>
+  </p:cSld>
+  <p:clrMapOvr>
+    <a:masterClrMapping/>
+  </p:clrMapOvr>
+</p:sld>
+</file>
+
+<file path=ppt/slides/slide12.xml><?xml version="1.0" encoding="utf-8"?>
+<p:sld xmlns:a="http://schemas.openxmlformats.org/drawingml/2006/main" xmlns:r="http://schemas.openxmlformats.org/officeDocument/2006/relationships" xmlns:p="http://schemas.openxmlformats.org/presentationml/2006/main">
+  <p:cSld>
+    <p:spTree>
+      <p:nvGrpSpPr>
+        <p:cNvPr id="1" name=""/>
+        <p:cNvGrpSpPr/>
+        <p:nvPr/>
+      </p:nvGrpSpPr>
+      <p:grpSpPr>
+        <a:xfrm>
+          <a:off x="0" y="0"/>
+          <a:ext cx="0" cy="0"/>
+          <a:chOff x="0" y="0"/>
+          <a:chExt cx="0" cy="0"/>
+        </a:xfrm>
+      </p:grpSpPr>
+      <p:sp>
+        <p:nvSpPr>
+          <p:cNvPr id="2" name="Заголовок 1"/>
+          <p:cNvSpPr>
+            <a:spLocks noGrp="1"/>
+          </p:cNvSpPr>
+          <p:nvPr>
+            <p:ph type="title"/>
+          </p:nvPr>
+        </p:nvSpPr>
+        <p:spPr>
+          <a:xfrm>
+            <a:off x="-1692613" y="365125"/>
+            <a:ext cx="671209" cy="1325563"/>
+          </a:xfrm>
+        </p:spPr>
+        <p:txBody>
+          <a:bodyPr/>
+          <a:lstStyle/>
+          <a:p>
+            <a:r>
+              <a:rPr lang="ru-RU" dirty="0" smtClean="0"/>
+              <a:t> </a:t>
+            </a:r>
+            <a:endParaRPr lang="ru-RU" dirty="0"/>
+          </a:p>
+        </p:txBody>
+      </p:sp>
+      <p:sp>
+        <p:nvSpPr>
+          <p:cNvPr id="3" name="Объект 2"/>
+          <p:cNvSpPr>
+            <a:spLocks noGrp="1"/>
+          </p:cNvSpPr>
+          <p:nvPr>
+            <p:ph idx="1"/>
+          </p:nvPr>
+        </p:nvSpPr>
+        <p:spPr>
+          <a:xfrm>
+            <a:off x="-1402728" y="1786714"/>
+            <a:ext cx="45719" cy="217184"/>
+          </a:xfrm>
+        </p:spPr>
+        <p:txBody>
+          <a:bodyPr>
+            <a:normAutofit fontScale="40000" lnSpcReduction="20000"/>
+          </a:bodyPr>
+          <a:lstStyle/>
+          <a:p>
+            <a:pPr marL="0" indent="0">
+              <a:buNone/>
+            </a:pPr>
+            <a:r>
+              <a:rPr lang="ru-RU" dirty="0" smtClean="0"/>
+              <a:t> </a:t>
+            </a:r>
+          </a:p>
+          <a:p>
+            <a:endParaRPr lang="ru-RU" dirty="0"/>
+          </a:p>
+        </p:txBody>
+      </p:sp>
+      <p:pic>
+        <p:nvPicPr>
+          <p:cNvPr id="4" name="Рисунок 3"/>
+          <p:cNvPicPr>
+            <a:picLocks noChangeAspect="1"/>
+          </p:cNvPicPr>
+          <p:nvPr/>
+        </p:nvPicPr>
+        <p:blipFill>
+          <a:blip r:embed="rId2"/>
+          <a:stretch>
+            <a:fillRect/>
+          </a:stretch>
+        </p:blipFill>
+        <p:spPr>
+          <a:xfrm>
+            <a:off x="980387" y="0"/>
+            <a:ext cx="10076780" cy="6858000"/>
+          </a:xfrm>
+          <a:prstGeom prst="rect">
+            <a:avLst/>
+          </a:prstGeom>
+        </p:spPr>
+      </p:pic>
+    </p:spTree>
+    <p:extLst>
+      <p:ext uri="{BB962C8B-B14F-4D97-AF65-F5344CB8AC3E}">
+        <p14:creationId xmlns:p14="http://schemas.microsoft.com/office/powerpoint/2010/main" val="3711495010"/>
+      </p:ext>
+    </p:extLst>
+  </p:cSld>
+  <p:clrMapOvr>
+    <a:masterClrMapping/>
+  </p:clrMapOvr>
+</p:sld>
+</file>
+
+<file path=ppt/slides/slide13.xml><?xml version="1.0" encoding="utf-8"?>
+<p:sld xmlns:a="http://schemas.openxmlformats.org/drawingml/2006/main" xmlns:r="http://schemas.openxmlformats.org/officeDocument/2006/relationships" xmlns:p="http://schemas.openxmlformats.org/presentationml/2006/main">
+  <p:cSld>
+    <p:spTree>
+      <p:nvGrpSpPr>
+        <p:cNvPr id="1" name=""/>
+        <p:cNvGrpSpPr/>
+        <p:nvPr/>
+      </p:nvGrpSpPr>
+      <p:grpSpPr>
+        <a:xfrm>
+          <a:off x="0" y="0"/>
+          <a:ext cx="0" cy="0"/>
+          <a:chOff x="0" y="0"/>
+          <a:chExt cx="0" cy="0"/>
+        </a:xfrm>
+      </p:grpSpPr>
+      <p:sp>
+        <p:nvSpPr>
+          <p:cNvPr id="2" name="Заголовок 1"/>
+          <p:cNvSpPr>
+            <a:spLocks noGrp="1"/>
+          </p:cNvSpPr>
+          <p:nvPr>
+            <p:ph type="title"/>
+          </p:nvPr>
+        </p:nvSpPr>
+        <p:spPr>
+          <a:xfrm>
+            <a:off x="838200" y="554182"/>
+            <a:ext cx="10515600" cy="1431637"/>
+          </a:xfrm>
+        </p:spPr>
+        <p:txBody>
+          <a:bodyPr>
+            <a:normAutofit/>
+          </a:bodyPr>
+          <a:lstStyle/>
+          <a:p>
+            <a:pPr algn="ctr"/>
+            <a:r>
+              <a:rPr lang="ru-RU" sz="6000" b="1" dirty="0" smtClean="0">
+                <a:solidFill>
+                  <a:schemeClr val="bg1"/>
+                </a:solidFill>
+              </a:rPr>
+              <a:t>Заключение</a:t>
+            </a:r>
+            <a:endParaRPr lang="ru-RU" sz="6000" b="1" dirty="0">
+              <a:solidFill>
+                <a:schemeClr val="bg1"/>
+              </a:solidFill>
+            </a:endParaRPr>
+          </a:p>
+        </p:txBody>
+      </p:sp>
+      <p:sp>
+        <p:nvSpPr>
+          <p:cNvPr id="3" name="Объект 2"/>
+          <p:cNvSpPr>
+            <a:spLocks noGrp="1"/>
+          </p:cNvSpPr>
+          <p:nvPr>
+            <p:ph idx="1"/>
+          </p:nvPr>
+        </p:nvSpPr>
+        <p:spPr>
+          <a:xfrm>
+            <a:off x="838200" y="2438399"/>
+            <a:ext cx="10515600" cy="3805383"/>
+          </a:xfrm>
+        </p:spPr>
+        <p:txBody>
+          <a:bodyPr>
+            <a:normAutofit/>
+          </a:bodyPr>
+          <a:lstStyle/>
+          <a:p>
+            <a:pPr marL="0" indent="0" algn="ctr">
+              <a:buNone/>
+            </a:pPr>
+            <a:r>
+              <a:rPr lang="ru-RU" sz="3200" dirty="0" smtClean="0">
+                <a:solidFill>
+                  <a:schemeClr val="bg1"/>
+                </a:solidFill>
+              </a:rPr>
+              <a:t>Я закончил работу над проектом и очень доволен результатом.</a:t>
+            </a:r>
+          </a:p>
+          <a:p>
+            <a:pPr marL="0" indent="0" algn="ctr">
+              <a:buNone/>
+            </a:pPr>
+            <a:r>
+              <a:rPr lang="ru-RU" sz="3200" dirty="0" smtClean="0">
+                <a:solidFill>
+                  <a:schemeClr val="bg1"/>
+                </a:solidFill>
+              </a:rPr>
+              <a:t>Бот получился таким, каким я и хотел.</a:t>
+            </a:r>
+          </a:p>
+          <a:p>
+            <a:pPr marL="0" indent="0" algn="ctr">
+              <a:buNone/>
+            </a:pPr>
+            <a:r>
+              <a:rPr lang="ru-RU" sz="3200" dirty="0" smtClean="0">
+                <a:solidFill>
+                  <a:schemeClr val="bg1"/>
+                </a:solidFill>
+              </a:rPr>
+              <a:t> Я выполнил все пункты технического задания.</a:t>
+            </a:r>
+          </a:p>
+          <a:p>
+            <a:pPr marL="0" indent="0" algn="ctr">
+              <a:buNone/>
+            </a:pPr>
+            <a:r>
+              <a:rPr lang="ru-RU" sz="3200" dirty="0" smtClean="0">
+                <a:solidFill>
+                  <a:schemeClr val="bg1"/>
+                </a:solidFill>
+              </a:rPr>
+              <a:t>В процессе работы я изучил тему создания бота</a:t>
+            </a:r>
+            <a:r>
+              <a:rPr lang="en-US" sz="3200" dirty="0" smtClean="0">
+                <a:solidFill>
+                  <a:schemeClr val="bg1"/>
+                </a:solidFill>
+              </a:rPr>
+              <a:t>.</a:t>
+            </a:r>
+            <a:endParaRPr lang="ru-RU" sz="3200" dirty="0">
+              <a:solidFill>
+                <a:schemeClr val="bg1"/>
+              </a:solidFill>
+            </a:endParaRPr>
+          </a:p>
+        </p:txBody>
+      </p:sp>
+    </p:spTree>
+    <p:extLst>
+      <p:ext uri="{BB962C8B-B14F-4D97-AF65-F5344CB8AC3E}">
+        <p14:creationId xmlns:p14="http://schemas.microsoft.com/office/powerpoint/2010/main" val="529096586"/>
+      </p:ext>
+    </p:extLst>
+  </p:cSld>
+  <p:clrMapOvr>
+    <a:masterClrMapping/>
+  </p:clrMapOvr>
+  <p:timing>
+    <p:tnLst>
+      <p:par>
+        <p:cTn id="1" dur="indefinite" restart="never" nodeType="tmRoot"/>
+      </p:par>
+    </p:tnLst>
+  </p:timing>
+</p:sld>
+</file>
+
+<file path=ppt/slides/slide14.xml><?xml version="1.0" encoding="utf-8"?>
+<p:sld xmlns:a="http://schemas.openxmlformats.org/drawingml/2006/main" xmlns:r="http://schemas.openxmlformats.org/officeDocument/2006/relationships" xmlns:p="http://schemas.openxmlformats.org/presentationml/2006/main">
+  <p:cSld>
+    <p:spTree>
+      <p:nvGrpSpPr>
+        <p:cNvPr id="1" name=""/>
+        <p:cNvGrpSpPr/>
+        <p:nvPr/>
+      </p:nvGrpSpPr>
+      <p:grpSpPr>
+        <a:xfrm>
+          <a:off x="0" y="0"/>
+          <a:ext cx="0" cy="0"/>
+          <a:chOff x="0" y="0"/>
+          <a:chExt cx="0" cy="0"/>
+        </a:xfrm>
+      </p:grpSpPr>
+      <p:sp>
+        <p:nvSpPr>
+          <p:cNvPr id="2" name="Заголовок 1"/>
+          <p:cNvSpPr>
+            <a:spLocks noGrp="1"/>
+          </p:cNvSpPr>
+          <p:nvPr>
+            <p:ph type="ctrTitle"/>
+          </p:nvPr>
+        </p:nvSpPr>
+        <p:spPr>
+          <a:xfrm>
+            <a:off x="1524000" y="1523999"/>
+            <a:ext cx="9144000" cy="942109"/>
+          </a:xfrm>
+        </p:spPr>
+        <p:txBody>
+          <a:bodyPr>
+            <a:noAutofit/>
+          </a:bodyPr>
+          <a:lstStyle/>
+          <a:p>
+            <a:r>
+              <a:rPr lang="en-US" sz="6600" b="1" dirty="0">
+                <a:solidFill>
+                  <a:schemeClr val="bg1"/>
+                </a:solidFill>
+              </a:rPr>
+              <a:t>multifunctional bot</a:t>
+            </a:r>
+            <a:endParaRPr lang="ru-RU" sz="6600" b="1" dirty="0">
+              <a:solidFill>
+                <a:schemeClr val="bg1"/>
+              </a:solidFill>
+            </a:endParaRPr>
+          </a:p>
+        </p:txBody>
+      </p:sp>
+      <p:sp>
+        <p:nvSpPr>
+          <p:cNvPr id="3" name="Подзаголовок 2"/>
+          <p:cNvSpPr>
+            <a:spLocks noGrp="1"/>
+          </p:cNvSpPr>
+          <p:nvPr>
+            <p:ph type="subTitle" idx="1"/>
+          </p:nvPr>
+        </p:nvSpPr>
+        <p:spPr>
+          <a:xfrm>
+            <a:off x="1450108" y="3057092"/>
+            <a:ext cx="9919855" cy="3029671"/>
+          </a:xfrm>
+        </p:spPr>
+        <p:txBody>
+          <a:bodyPr>
+            <a:normAutofit fontScale="92500" lnSpcReduction="10000"/>
+          </a:bodyPr>
+          <a:lstStyle/>
+          <a:p>
+            <a:r>
+              <a:rPr lang="ru-RU" sz="3600" dirty="0" smtClean="0">
+                <a:solidFill>
+                  <a:schemeClr val="bg1"/>
+                </a:solidFill>
+              </a:rPr>
+              <a:t>Проект по теме </a:t>
+            </a:r>
+            <a:r>
+              <a:rPr lang="ru-RU" sz="3600" dirty="0" err="1" smtClean="0">
+                <a:solidFill>
+                  <a:schemeClr val="bg1"/>
+                </a:solidFill>
+              </a:rPr>
+              <a:t>телеграм</a:t>
+            </a:r>
+            <a:r>
+              <a:rPr lang="ru-RU" sz="3600" dirty="0" smtClean="0">
+                <a:solidFill>
+                  <a:schemeClr val="bg1"/>
+                </a:solidFill>
+              </a:rPr>
+              <a:t> бот</a:t>
+            </a:r>
+            <a:r>
+              <a:rPr lang="en-US" sz="3600" dirty="0" smtClean="0">
+                <a:solidFill>
+                  <a:schemeClr val="bg1"/>
+                </a:solidFill>
+              </a:rPr>
+              <a:t>.</a:t>
+            </a:r>
+          </a:p>
+          <a:p>
+            <a:r>
+              <a:rPr lang="ru-RU" sz="3600" dirty="0" smtClean="0">
+                <a:solidFill>
+                  <a:schemeClr val="bg1"/>
+                </a:solidFill>
+              </a:rPr>
+              <a:t>Выполнил: Кошелев Д.А.</a:t>
+            </a:r>
+          </a:p>
+          <a:p>
+            <a:r>
+              <a:rPr lang="ru-RU" sz="3600" dirty="0">
+                <a:solidFill>
+                  <a:schemeClr val="bg1"/>
+                </a:solidFill>
+              </a:rPr>
+              <a:t>Руководитель: Назимова А.Ю.</a:t>
+            </a:r>
+          </a:p>
+          <a:p>
+            <a:r>
+              <a:rPr lang="ru-RU" sz="3600" dirty="0" smtClean="0">
+                <a:solidFill>
+                  <a:schemeClr val="bg1"/>
+                </a:solidFill>
+              </a:rPr>
+              <a:t>Ссылка на </a:t>
+            </a:r>
+            <a:r>
+              <a:rPr lang="ru-RU" sz="3600" dirty="0" err="1" smtClean="0">
+                <a:solidFill>
+                  <a:schemeClr val="bg1"/>
+                </a:solidFill>
+              </a:rPr>
+              <a:t>гитхаб</a:t>
+            </a:r>
+            <a:r>
+              <a:rPr lang="ru-RU" sz="3600" dirty="0" smtClean="0">
+                <a:solidFill>
+                  <a:schemeClr val="bg1"/>
+                </a:solidFill>
+              </a:rPr>
+              <a:t>:</a:t>
+            </a:r>
+          </a:p>
+          <a:p>
+            <a:r>
+              <a:rPr lang="en-US" sz="3600" dirty="0">
+                <a:solidFill>
+                  <a:schemeClr val="bg1"/>
+                </a:solidFill>
+              </a:rPr>
+              <a:t>https://github.com/Father-Dog-Danil/multifunctional_bot</a:t>
+            </a:r>
+            <a:endParaRPr lang="ru-RU" sz="3600" dirty="0">
+              <a:solidFill>
+                <a:schemeClr val="bg1"/>
+              </a:solidFill>
+            </a:endParaRPr>
+          </a:p>
+        </p:txBody>
+      </p:sp>
+    </p:spTree>
+    <p:extLst>
+      <p:ext uri="{BB962C8B-B14F-4D97-AF65-F5344CB8AC3E}">
+        <p14:creationId xmlns:p14="http://schemas.microsoft.com/office/powerpoint/2010/main" val="3541255517"/>
+      </p:ext>
+    </p:extLst>
+  </p:cSld>
+  <p:clrMapOvr>
+    <a:masterClrMapping/>
+  </p:clrMapOvr>
+  <p:timing>
+    <p:tnLst>
+      <p:par>
+        <p:cTn id="1" dur="indefinite" restart="never" nodeType="tmRoot"/>
+      </p:par>
+    </p:tnLst>
+  </p:timing>
+</p:sld>
+</file>
+
 <file path=ppt/slides/slide2.xml><?xml version="1.0" encoding="utf-8"?>
 <p:sld xmlns:a="http://schemas.openxmlformats.org/drawingml/2006/main" xmlns:r="http://schemas.openxmlformats.org/officeDocument/2006/relationships" xmlns:p="http://schemas.openxmlformats.org/presentationml/2006/main">
   <p:cSld>
@@ -3337,15 +4051,7 @@
                   <a:schemeClr val="bg1"/>
                 </a:solidFill>
               </a:rPr>
-              <a:t>Мой бот выполняет множество различных функций, откуда и пошло его название. Большинство функций никак не связаны друг с другом</a:t>
-            </a:r>
-            <a:r>
-              <a:rPr lang="ru-RU" sz="3600" dirty="0" smtClean="0">
-                <a:solidFill>
-                  <a:schemeClr val="bg1"/>
-                </a:solidFill>
-              </a:rPr>
-              <a:t>.</a:t>
+              <a:t>Мой бот выполняет множество различных функций, откуда и пошло его название. Большинство функций никак не связаны друг с другом.</a:t>
             </a:r>
           </a:p>
           <a:p>
@@ -3585,23 +4291,7 @@
                   <a:schemeClr val="bg1"/>
                 </a:solidFill>
               </a:rPr>
-              <a:t>, </a:t>
-            </a:r>
-            <a:r>
-              <a:rPr lang="ru-RU" sz="3200" dirty="0" smtClean="0">
-                <a:solidFill>
-                  <a:schemeClr val="bg1"/>
-                </a:solidFill>
-              </a:rPr>
-              <a:t>соответствующем </a:t>
-            </a:r>
-            <a:r>
-              <a:rPr lang="ru-RU" sz="3200" dirty="0" smtClean="0">
-                <a:solidFill>
-                  <a:schemeClr val="bg1"/>
-                </a:solidFill>
-              </a:rPr>
-              <a:t>стандарту.</a:t>
+              <a:t>, соответствующем стандарту.</a:t>
             </a:r>
             <a:endParaRPr lang="ru-RU" sz="3200" dirty="0">
               <a:solidFill>
@@ -3715,39 +4405,7 @@
                   <a:schemeClr val="bg1"/>
                 </a:solidFill>
               </a:rPr>
-              <a:t>В своей программе я </a:t>
-            </a:r>
-            <a:r>
-              <a:rPr lang="ru-RU" sz="3200" dirty="0" smtClean="0">
-                <a:solidFill>
-                  <a:schemeClr val="bg1"/>
-                </a:solidFill>
-              </a:rPr>
-              <a:t>использую множество </a:t>
-            </a:r>
-            <a:r>
-              <a:rPr lang="ru-RU" sz="3200" dirty="0" smtClean="0">
-                <a:solidFill>
-                  <a:schemeClr val="bg1"/>
-                </a:solidFill>
-              </a:rPr>
-              <a:t>функций для </a:t>
-            </a:r>
-            <a:r>
-              <a:rPr lang="ru-RU" sz="3200" dirty="0" smtClean="0">
-                <a:solidFill>
-                  <a:schemeClr val="bg1"/>
-                </a:solidFill>
-              </a:rPr>
-              <a:t>выполнения запросов</a:t>
-            </a:r>
-            <a:r>
-              <a:rPr lang="ru-RU" sz="3200" dirty="0" smtClean="0">
-                <a:solidFill>
-                  <a:schemeClr val="bg1"/>
-                </a:solidFill>
-              </a:rPr>
-              <a:t>.</a:t>
+              <a:t>В своей программе я использую множество функций для выполнения запросов.</a:t>
             </a:r>
           </a:p>
           <a:p>
@@ -3790,14 +4448,6 @@
 <file path=ppt/slides/slide6.xml><?xml version="1.0" encoding="utf-8"?>
 <p:sld xmlns:a="http://schemas.openxmlformats.org/drawingml/2006/main" xmlns:r="http://schemas.openxmlformats.org/officeDocument/2006/relationships" xmlns:p="http://schemas.openxmlformats.org/presentationml/2006/main">
   <p:cSld>
-    <p:bg>
-      <p:bgPr>
-        <a:solidFill>
-          <a:schemeClr val="bg1"/>
-        </a:solidFill>
-        <a:effectLst/>
-      </p:bgPr>
-    </p:bg>
     <p:spTree>
       <p:nvGrpSpPr>
         <p:cNvPr id="1" name=""/>
@@ -3812,72 +4462,24 @@
           <a:chExt cx="0" cy="0"/>
         </a:xfrm>
       </p:grpSpPr>
-      <p:sp>
-        <p:nvSpPr>
-          <p:cNvPr id="2" name="Заголовок 1"/>
-          <p:cNvSpPr>
-            <a:spLocks noGrp="1"/>
-          </p:cNvSpPr>
-          <p:nvPr>
-            <p:ph type="title"/>
-          </p:nvPr>
-        </p:nvSpPr>
-        <p:spPr/>
-        <p:txBody>
-          <a:bodyPr/>
-          <a:lstStyle/>
-          <a:p>
-            <a:r>
-              <a:rPr lang="en-US" dirty="0" smtClean="0"/>
-              <a:t>ERROR 404</a:t>
-            </a:r>
-            <a:endParaRPr lang="ru-RU" dirty="0"/>
-          </a:p>
-        </p:txBody>
-      </p:sp>
-      <p:sp>
-        <p:nvSpPr>
-          <p:cNvPr id="3" name="Объект 2"/>
-          <p:cNvSpPr>
-            <a:spLocks noGrp="1"/>
-          </p:cNvSpPr>
-          <p:nvPr>
-            <p:ph idx="1"/>
-          </p:nvPr>
-        </p:nvSpPr>
-        <p:spPr/>
-        <p:txBody>
-          <a:bodyPr/>
-          <a:lstStyle/>
-          <a:p>
-            <a:r>
-              <a:rPr lang="ru-RU" dirty="0" smtClean="0"/>
-              <a:t>СКРИНОВ НЕ БУДЕТ. ЭТО ДОЛГО,  А МНЕ ЛЕНЬ.</a:t>
-            </a:r>
-            <a:endParaRPr lang="ru-RU" dirty="0"/>
-          </a:p>
-        </p:txBody>
-      </p:sp>
       <p:pic>
         <p:nvPicPr>
-          <p:cNvPr id="9" name="DdVxKVBlMfY"/>
+          <p:cNvPr id="4" name="Рисунок 3"/>
           <p:cNvPicPr>
-            <a:picLocks noRot="1" noChangeAspect="1"/>
+            <a:picLocks noChangeAspect="1"/>
           </p:cNvPicPr>
-          <p:nvPr>
-            <a:videoFile r:link="rId1"/>
-          </p:nvPr>
+          <p:nvPr/>
         </p:nvPicPr>
         <p:blipFill>
-          <a:blip r:embed="rId3"/>
+          <a:blip r:embed="rId2"/>
           <a:stretch>
             <a:fillRect/>
           </a:stretch>
         </p:blipFill>
         <p:spPr>
           <a:xfrm>
-            <a:off x="-1" y="0"/>
-            <a:ext cx="12192000" cy="6858000"/>
+            <a:off x="945204" y="-2593"/>
+            <a:ext cx="10145949" cy="6860593"/>
           </a:xfrm>
           <a:prstGeom prst="rect">
             <a:avLst/>
@@ -3886,189 +4488,77 @@
       </p:pic>
       <p:sp>
         <p:nvSpPr>
-          <p:cNvPr id="10" name="Прямоугольник 9"/>
-          <p:cNvSpPr/>
-          <p:nvPr/>
-        </p:nvSpPr>
-        <p:spPr>
-          <a:xfrm>
-            <a:off x="997528" y="4294909"/>
-            <a:ext cx="11896435" cy="2308324"/>
-          </a:xfrm>
-          <a:prstGeom prst="rect">
-            <a:avLst/>
-          </a:prstGeom>
-        </p:spPr>
-        <p:txBody>
-          <a:bodyPr wrap="square">
-            <a:spAutoFit/>
+          <p:cNvPr id="2" name="Заголовок 1"/>
+          <p:cNvSpPr>
+            <a:spLocks noGrp="1"/>
+          </p:cNvSpPr>
+          <p:nvPr>
+            <p:ph type="title"/>
+          </p:nvPr>
+        </p:nvSpPr>
+        <p:spPr>
+          <a:xfrm>
+            <a:off x="-1692613" y="365125"/>
+            <a:ext cx="671209" cy="1325563"/>
+          </a:xfrm>
+        </p:spPr>
+        <p:txBody>
+          <a:bodyPr/>
+          <a:lstStyle/>
+          <a:p>
+            <a:r>
+              <a:rPr lang="ru-RU" dirty="0" smtClean="0"/>
+              <a:t> </a:t>
+            </a:r>
+            <a:endParaRPr lang="ru-RU" dirty="0"/>
+          </a:p>
+        </p:txBody>
+      </p:sp>
+      <p:sp>
+        <p:nvSpPr>
+          <p:cNvPr id="3" name="Объект 2"/>
+          <p:cNvSpPr>
+            <a:spLocks noGrp="1"/>
+          </p:cNvSpPr>
+          <p:nvPr>
+            <p:ph idx="1"/>
+          </p:nvPr>
+        </p:nvSpPr>
+        <p:spPr>
+          <a:xfrm>
+            <a:off x="-1402728" y="1786714"/>
+            <a:ext cx="45719" cy="217184"/>
+          </a:xfrm>
+        </p:spPr>
+        <p:txBody>
+          <a:bodyPr>
+            <a:normAutofit fontScale="40000" lnSpcReduction="20000"/>
           </a:bodyPr>
           <a:lstStyle/>
           <a:p>
-            <a:r>
-              <a:rPr lang="ru-RU" sz="7200" dirty="0">
-                <a:solidFill>
-                  <a:srgbClr val="FFC000"/>
-                </a:solidFill>
-              </a:rPr>
-              <a:t>СКРИНОВ НЕ БУДЕТ. ЭТО ДОЛГО,  А МНЕ ЛЕНЬ.</a:t>
-            </a:r>
-            <a:endParaRPr lang="ru-RU" sz="7200" dirty="0">
-              <a:solidFill>
-                <a:srgbClr val="FFC000"/>
-              </a:solidFill>
-            </a:endParaRPr>
+            <a:pPr marL="0" indent="0">
+              <a:buNone/>
+            </a:pPr>
+            <a:r>
+              <a:rPr lang="ru-RU" dirty="0" smtClean="0"/>
+              <a:t> </a:t>
+            </a:r>
+          </a:p>
+          <a:p>
+            <a:endParaRPr lang="ru-RU" dirty="0"/>
           </a:p>
         </p:txBody>
       </p:sp>
     </p:spTree>
     <p:extLst>
       <p:ext uri="{BB962C8B-B14F-4D97-AF65-F5344CB8AC3E}">
-        <p14:creationId xmlns:p14="http://schemas.microsoft.com/office/powerpoint/2010/main" val="4100964459"/>
+        <p14:creationId xmlns:p14="http://schemas.microsoft.com/office/powerpoint/2010/main" val="923313735"/>
       </p:ext>
     </p:extLst>
   </p:cSld>
   <p:clrMapOvr>
     <a:masterClrMapping/>
   </p:clrMapOvr>
-  <p:timing>
-    <p:tnLst>
-      <p:par>
-        <p:cTn id="1" dur="indefinite" restart="never" nodeType="tmRoot">
-          <p:childTnLst>
-            <p:seq concurrent="1" nextAc="seek">
-              <p:cTn id="2" dur="indefinite" nodeType="mainSeq">
-                <p:childTnLst>
-                  <p:par>
-                    <p:cTn id="3" fill="hold">
-                      <p:stCondLst>
-                        <p:cond delay="indefinite"/>
-                        <p:cond evt="onBegin" delay="0">
-                          <p:tn val="2"/>
-                        </p:cond>
-                      </p:stCondLst>
-                      <p:childTnLst>
-                        <p:par>
-                          <p:cTn id="4" fill="hold">
-                            <p:stCondLst>
-                              <p:cond delay="0"/>
-                            </p:stCondLst>
-                            <p:childTnLst>
-                              <p:par>
-                                <p:cTn id="5" presetID="1" presetClass="mediacall" presetSubtype="0" fill="hold" nodeType="afterEffect">
-                                  <p:stCondLst>
-                                    <p:cond delay="0"/>
-                                  </p:stCondLst>
-                                  <p:childTnLst>
-                                    <p:cmd type="call" cmd="playFrom(0.0)">
-                                      <p:cBhvr>
-                                        <p:cTn id="6" dur="1" fill="hold"/>
-                                        <p:tgtEl>
-                                          <p:spTgt spid="9"/>
-                                        </p:tgtEl>
-                                      </p:cBhvr>
-                                    </p:cmd>
-                                  </p:childTnLst>
-                                </p:cTn>
-                              </p:par>
-                            </p:childTnLst>
-                          </p:cTn>
-                        </p:par>
-                      </p:childTnLst>
-                    </p:cTn>
-                  </p:par>
-                </p:childTnLst>
-              </p:cTn>
-              <p:prevCondLst>
-                <p:cond evt="onPrev" delay="0">
-                  <p:tgtEl>
-                    <p:sldTgt/>
-                  </p:tgtEl>
-                </p:cond>
-              </p:prevCondLst>
-              <p:nextCondLst>
-                <p:cond evt="onNext" delay="0">
-                  <p:tgtEl>
-                    <p:sldTgt/>
-                  </p:tgtEl>
-                </p:cond>
-              </p:nextCondLst>
-            </p:seq>
-            <p:video>
-              <p:cMediaNode>
-                <p:cTn id="7" fill="hold" display="0">
-                  <p:stCondLst>
-                    <p:cond delay="indefinite"/>
-                  </p:stCondLst>
-                </p:cTn>
-                <p:tgtEl>
-                  <p:spTgt spid="9"/>
-                </p:tgtEl>
-              </p:cMediaNode>
-            </p:video>
-            <p:seq concurrent="1" nextAc="seek">
-              <p:cTn id="8" restart="whenNotActive" fill="hold" evtFilter="cancelBubble" nodeType="interactiveSeq">
-                <p:stCondLst>
-                  <p:cond evt="onClick" delay="0">
-                    <p:tgtEl>
-                      <p:spTgt spid="9"/>
-                    </p:tgtEl>
-                  </p:cond>
-                </p:stCondLst>
-                <p:endSync evt="end" delay="0">
-                  <p:rtn val="all"/>
-                </p:endSync>
-                <p:childTnLst>
-                  <p:par>
-                    <p:cTn id="9" fill="hold">
-                      <p:stCondLst>
-                        <p:cond delay="0"/>
-                      </p:stCondLst>
-                      <p:childTnLst>
-                        <p:par>
-                          <p:cTn id="10" fill="hold">
-                            <p:stCondLst>
-                              <p:cond delay="0"/>
-                            </p:stCondLst>
-                            <p:childTnLst>
-                              <p:par>
-                                <p:cTn id="11" presetID="2" presetClass="mediacall" presetSubtype="0" fill="hold" nodeType="clickEffect">
-                                  <p:stCondLst>
-                                    <p:cond delay="0"/>
-                                  </p:stCondLst>
-                                  <p:childTnLst>
-                                    <p:cmd type="call" cmd="togglePause">
-                                      <p:cBhvr>
-                                        <p:cTn id="12" dur="1" fill="hold"/>
-                                        <p:tgtEl>
-                                          <p:spTgt spid="9"/>
-                                        </p:tgtEl>
-                                      </p:cBhvr>
-                                    </p:cmd>
-                                  </p:childTnLst>
-                                </p:cTn>
-                              </p:par>
-                            </p:childTnLst>
-                          </p:cTn>
-                        </p:par>
-                      </p:childTnLst>
-                    </p:cTn>
-                  </p:par>
-                </p:childTnLst>
-              </p:cTn>
-              <p:nextCondLst>
-                <p:cond evt="onClick" delay="0">
-                  <p:tgtEl>
-                    <p:spTgt spid="9"/>
-                  </p:tgtEl>
-                </p:cond>
-              </p:nextCondLst>
-            </p:seq>
-          </p:childTnLst>
-        </p:cTn>
-      </p:par>
-    </p:tnLst>
-  </p:timing>
 </p:sld>
 </file>
 
@@ -4101,138 +4591,91 @@
         </p:nvSpPr>
         <p:spPr>
           <a:xfrm>
-            <a:off x="838200" y="554182"/>
-            <a:ext cx="10515600" cy="1431637"/>
+            <a:off x="-1692613" y="365125"/>
+            <a:ext cx="671209" cy="1325563"/>
+          </a:xfrm>
+        </p:spPr>
+        <p:txBody>
+          <a:bodyPr/>
+          <a:lstStyle/>
+          <a:p>
+            <a:r>
+              <a:rPr lang="ru-RU" dirty="0" smtClean="0"/>
+              <a:t> </a:t>
+            </a:r>
+            <a:endParaRPr lang="ru-RU" dirty="0"/>
+          </a:p>
+        </p:txBody>
+      </p:sp>
+      <p:sp>
+        <p:nvSpPr>
+          <p:cNvPr id="3" name="Объект 2"/>
+          <p:cNvSpPr>
+            <a:spLocks noGrp="1"/>
+          </p:cNvSpPr>
+          <p:nvPr>
+            <p:ph idx="1"/>
+          </p:nvPr>
+        </p:nvSpPr>
+        <p:spPr>
+          <a:xfrm>
+            <a:off x="-1402728" y="1786714"/>
+            <a:ext cx="45719" cy="217184"/>
           </a:xfrm>
         </p:spPr>
         <p:txBody>
           <a:bodyPr>
-            <a:normAutofit/>
+            <a:normAutofit fontScale="40000" lnSpcReduction="20000"/>
           </a:bodyPr>
           <a:lstStyle/>
           <a:p>
-            <a:pPr algn="ctr"/>
-            <a:r>
-              <a:rPr lang="ru-RU" sz="6000" b="1" dirty="0" smtClean="0">
-                <a:solidFill>
-                  <a:schemeClr val="bg1"/>
-                </a:solidFill>
-              </a:rPr>
-              <a:t>Заключение</a:t>
-            </a:r>
-            <a:endParaRPr lang="ru-RU" sz="6000" b="1" dirty="0">
-              <a:solidFill>
-                <a:schemeClr val="bg1"/>
-              </a:solidFill>
-            </a:endParaRPr>
-          </a:p>
-        </p:txBody>
-      </p:sp>
-      <p:sp>
-        <p:nvSpPr>
-          <p:cNvPr id="3" name="Объект 2"/>
-          <p:cNvSpPr>
-            <a:spLocks noGrp="1"/>
-          </p:cNvSpPr>
-          <p:nvPr>
-            <p:ph idx="1"/>
-          </p:nvPr>
-        </p:nvSpPr>
-        <p:spPr>
-          <a:xfrm>
-            <a:off x="838200" y="2438399"/>
-            <a:ext cx="10515600" cy="3805383"/>
-          </a:xfrm>
-        </p:spPr>
-        <p:txBody>
-          <a:bodyPr>
-            <a:normAutofit/>
-          </a:bodyPr>
-          <a:lstStyle/>
-          <a:p>
-            <a:pPr marL="0" indent="0" algn="ctr">
+            <a:pPr marL="0" indent="0">
               <a:buNone/>
             </a:pPr>
             <a:r>
-              <a:rPr lang="ru-RU" sz="3200" dirty="0" smtClean="0">
-                <a:solidFill>
-                  <a:schemeClr val="bg1"/>
-                </a:solidFill>
-              </a:rPr>
-              <a:t>Я закончил работу над проектом и очень доволен результатом.</a:t>
-            </a:r>
-          </a:p>
-          <a:p>
-            <a:pPr marL="0" indent="0" algn="ctr">
-              <a:buNone/>
-            </a:pPr>
-            <a:r>
-              <a:rPr lang="ru-RU" sz="3200" dirty="0" smtClean="0">
-                <a:solidFill>
-                  <a:schemeClr val="bg1"/>
-                </a:solidFill>
-              </a:rPr>
-              <a:t>Бот получился таким, каким я и хотел.</a:t>
-            </a:r>
-          </a:p>
-          <a:p>
-            <a:pPr marL="0" indent="0" algn="ctr">
-              <a:buNone/>
-            </a:pPr>
-            <a:r>
-              <a:rPr lang="ru-RU" sz="3200" dirty="0" smtClean="0">
-                <a:solidFill>
-                  <a:schemeClr val="bg1"/>
-                </a:solidFill>
-              </a:rPr>
-              <a:t> Я выполнил все пункты технического задания.</a:t>
-            </a:r>
-          </a:p>
-          <a:p>
-            <a:pPr marL="0" indent="0" algn="ctr">
-              <a:buNone/>
-            </a:pPr>
-            <a:r>
-              <a:rPr lang="ru-RU" sz="3200" dirty="0" smtClean="0">
-                <a:solidFill>
-                  <a:schemeClr val="bg1"/>
-                </a:solidFill>
-              </a:rPr>
-              <a:t>В процессе работы я изучил тему создания бота</a:t>
-            </a:r>
-            <a:r>
-              <a:rPr lang="en-US" sz="3200" dirty="0" smtClean="0">
-                <a:solidFill>
-                  <a:schemeClr val="bg1"/>
-                </a:solidFill>
-              </a:rPr>
-              <a:t>.</a:t>
-            </a:r>
-            <a:endParaRPr lang="ru-RU" sz="3200" dirty="0">
-              <a:solidFill>
-                <a:schemeClr val="bg1"/>
-              </a:solidFill>
-            </a:endParaRPr>
-          </a:p>
-        </p:txBody>
-      </p:sp>
+              <a:rPr lang="ru-RU" dirty="0" smtClean="0"/>
+              <a:t> </a:t>
+            </a:r>
+          </a:p>
+          <a:p>
+            <a:endParaRPr lang="ru-RU" dirty="0"/>
+          </a:p>
+        </p:txBody>
+      </p:sp>
+      <p:pic>
+        <p:nvPicPr>
+          <p:cNvPr id="5" name="Рисунок 4"/>
+          <p:cNvPicPr>
+            <a:picLocks noChangeAspect="1"/>
+          </p:cNvPicPr>
+          <p:nvPr/>
+        </p:nvPicPr>
+        <p:blipFill>
+          <a:blip r:embed="rId2"/>
+          <a:stretch>
+            <a:fillRect/>
+          </a:stretch>
+        </p:blipFill>
+        <p:spPr>
+          <a:xfrm>
+            <a:off x="972766" y="0"/>
+            <a:ext cx="10190796" cy="6858000"/>
+          </a:xfrm>
+          <a:prstGeom prst="rect">
+            <a:avLst/>
+          </a:prstGeom>
+        </p:spPr>
+      </p:pic>
     </p:spTree>
     <p:extLst>
       <p:ext uri="{BB962C8B-B14F-4D97-AF65-F5344CB8AC3E}">
-        <p14:creationId xmlns:p14="http://schemas.microsoft.com/office/powerpoint/2010/main" val="529096586"/>
+        <p14:creationId xmlns:p14="http://schemas.microsoft.com/office/powerpoint/2010/main" val="4290464925"/>
       </p:ext>
     </p:extLst>
   </p:cSld>
   <p:clrMapOvr>
     <a:masterClrMapping/>
   </p:clrMapOvr>
-  <p:timing>
-    <p:tnLst>
-      <p:par>
-        <p:cTn id="1" dur="indefinite" restart="never" nodeType="tmRoot"/>
-      </p:par>
-    </p:tnLst>
-  </p:timing>
 </p:sld>
 </file>
 
@@ -4260,172 +4703,213 @@
             <a:spLocks noGrp="1"/>
           </p:cNvSpPr>
           <p:nvPr>
-            <p:ph type="ctrTitle"/>
-          </p:nvPr>
-        </p:nvSpPr>
-        <p:spPr>
-          <a:xfrm>
-            <a:off x="1524000" y="1523999"/>
-            <a:ext cx="9144000" cy="942109"/>
+            <p:ph type="title"/>
+          </p:nvPr>
+        </p:nvSpPr>
+        <p:spPr>
+          <a:xfrm>
+            <a:off x="-1692613" y="365125"/>
+            <a:ext cx="671209" cy="1325563"/>
+          </a:xfrm>
+        </p:spPr>
+        <p:txBody>
+          <a:bodyPr/>
+          <a:lstStyle/>
+          <a:p>
+            <a:r>
+              <a:rPr lang="ru-RU" dirty="0" smtClean="0"/>
+              <a:t> </a:t>
+            </a:r>
+            <a:endParaRPr lang="ru-RU" dirty="0"/>
+          </a:p>
+        </p:txBody>
+      </p:sp>
+      <p:sp>
+        <p:nvSpPr>
+          <p:cNvPr id="3" name="Объект 2"/>
+          <p:cNvSpPr>
+            <a:spLocks noGrp="1"/>
+          </p:cNvSpPr>
+          <p:nvPr>
+            <p:ph idx="1"/>
+          </p:nvPr>
+        </p:nvSpPr>
+        <p:spPr>
+          <a:xfrm>
+            <a:off x="-1402728" y="1786714"/>
+            <a:ext cx="45719" cy="217184"/>
           </a:xfrm>
         </p:spPr>
         <p:txBody>
           <a:bodyPr>
-            <a:noAutofit/>
+            <a:normAutofit fontScale="40000" lnSpcReduction="20000"/>
           </a:bodyPr>
           <a:lstStyle/>
           <a:p>
-            <a:r>
-              <a:rPr lang="en-US" sz="6600" b="1" dirty="0">
-                <a:solidFill>
-                  <a:schemeClr val="bg1"/>
-                </a:solidFill>
-              </a:rPr>
-              <a:t>multifunctional bot</a:t>
-            </a:r>
-            <a:endParaRPr lang="ru-RU" sz="6600" b="1" dirty="0">
-              <a:solidFill>
-                <a:schemeClr val="bg1"/>
-              </a:solidFill>
-            </a:endParaRPr>
-          </a:p>
-        </p:txBody>
-      </p:sp>
-      <p:sp>
-        <p:nvSpPr>
-          <p:cNvPr id="3" name="Подзаголовок 2"/>
-          <p:cNvSpPr>
-            <a:spLocks noGrp="1"/>
-          </p:cNvSpPr>
-          <p:nvPr>
-            <p:ph type="subTitle" idx="1"/>
-          </p:nvPr>
-        </p:nvSpPr>
-        <p:spPr>
-          <a:xfrm>
-            <a:off x="1450108" y="3057092"/>
-            <a:ext cx="9919855" cy="3029671"/>
-          </a:xfrm>
-        </p:spPr>
-        <p:txBody>
-          <a:bodyPr>
-            <a:normAutofit fontScale="92500" lnSpcReduction="10000"/>
-          </a:bodyPr>
-          <a:lstStyle/>
-          <a:p>
-            <a:r>
-              <a:rPr lang="ru-RU" sz="3600" dirty="0" smtClean="0">
-                <a:solidFill>
-                  <a:schemeClr val="bg1"/>
-                </a:solidFill>
-              </a:rPr>
-              <a:t>Проект по теме </a:t>
-            </a:r>
-            <a:r>
-              <a:rPr lang="ru-RU" sz="3600" dirty="0" err="1" smtClean="0">
-                <a:solidFill>
-                  <a:schemeClr val="bg1"/>
-                </a:solidFill>
-              </a:rPr>
-              <a:t>телеграм</a:t>
-            </a:r>
-            <a:r>
-              <a:rPr lang="ru-RU" sz="3600" dirty="0" smtClean="0">
-                <a:solidFill>
-                  <a:schemeClr val="bg1"/>
-                </a:solidFill>
-              </a:rPr>
-              <a:t> бот</a:t>
-            </a:r>
-            <a:r>
-              <a:rPr lang="en-US" sz="3600" dirty="0" smtClean="0">
-                <a:solidFill>
-                  <a:schemeClr val="bg1"/>
-                </a:solidFill>
-              </a:rPr>
-              <a:t>.</a:t>
-            </a:r>
-          </a:p>
-          <a:p>
-            <a:r>
-              <a:rPr lang="ru-RU" sz="3600" dirty="0" smtClean="0">
-                <a:solidFill>
-                  <a:schemeClr val="bg1"/>
-                </a:solidFill>
-              </a:rPr>
-              <a:t>Выполнил: Кошелев Д.А.</a:t>
-            </a:r>
-          </a:p>
-          <a:p>
-            <a:r>
-              <a:rPr lang="ru-RU" sz="3600" dirty="0">
-                <a:solidFill>
-                  <a:schemeClr val="bg1"/>
-                </a:solidFill>
-              </a:rPr>
-              <a:t>Руководитель: Назимова А.Ю.</a:t>
-            </a:r>
-          </a:p>
-          <a:p>
-            <a:r>
-              <a:rPr lang="ru-RU" sz="3600" dirty="0" smtClean="0">
-                <a:solidFill>
-                  <a:schemeClr val="bg1"/>
-                </a:solidFill>
-              </a:rPr>
-              <a:t>Ссылка на </a:t>
-            </a:r>
-            <a:r>
-              <a:rPr lang="ru-RU" sz="3600" dirty="0" err="1" smtClean="0">
-                <a:solidFill>
-                  <a:schemeClr val="bg1"/>
-                </a:solidFill>
-              </a:rPr>
-              <a:t>гитхаб</a:t>
-            </a:r>
-            <a:r>
-              <a:rPr lang="ru-RU" sz="3600" dirty="0" smtClean="0">
-                <a:solidFill>
-                  <a:schemeClr val="bg1"/>
-                </a:solidFill>
-              </a:rPr>
-              <a:t>:</a:t>
-            </a:r>
-          </a:p>
-          <a:p>
-            <a:r>
-              <a:rPr lang="en-US" sz="3600" dirty="0">
-                <a:solidFill>
-                  <a:schemeClr val="bg1"/>
-                </a:solidFill>
-              </a:rPr>
-              <a:t>https://github.com/Father-Dog-Danil/multifunctional_bot</a:t>
-            </a:r>
-            <a:endParaRPr lang="ru-RU" sz="3600" dirty="0">
-              <a:solidFill>
-                <a:schemeClr val="bg1"/>
-              </a:solidFill>
-            </a:endParaRPr>
-          </a:p>
-        </p:txBody>
-      </p:sp>
+            <a:pPr marL="0" indent="0">
+              <a:buNone/>
+            </a:pPr>
+            <a:r>
+              <a:rPr lang="ru-RU" dirty="0" smtClean="0"/>
+              <a:t> </a:t>
+            </a:r>
+          </a:p>
+          <a:p>
+            <a:endParaRPr lang="ru-RU" dirty="0"/>
+          </a:p>
+        </p:txBody>
+      </p:sp>
+      <p:pic>
+        <p:nvPicPr>
+          <p:cNvPr id="4" name="Рисунок 3"/>
+          <p:cNvPicPr>
+            <a:picLocks noChangeAspect="1"/>
+          </p:cNvPicPr>
+          <p:nvPr/>
+        </p:nvPicPr>
+        <p:blipFill>
+          <a:blip r:embed="rId2"/>
+          <a:stretch>
+            <a:fillRect/>
+          </a:stretch>
+        </p:blipFill>
+        <p:spPr>
+          <a:xfrm>
+            <a:off x="970961" y="-3998"/>
+            <a:ext cx="10162095" cy="6861998"/>
+          </a:xfrm>
+          <a:prstGeom prst="rect">
+            <a:avLst/>
+          </a:prstGeom>
+        </p:spPr>
+      </p:pic>
     </p:spTree>
     <p:extLst>
       <p:ext uri="{BB962C8B-B14F-4D97-AF65-F5344CB8AC3E}">
-        <p14:creationId xmlns:p14="http://schemas.microsoft.com/office/powerpoint/2010/main" val="3541255517"/>
+        <p14:creationId xmlns:p14="http://schemas.microsoft.com/office/powerpoint/2010/main" val="2834514311"/>
       </p:ext>
     </p:extLst>
   </p:cSld>
   <p:clrMapOvr>
     <a:masterClrMapping/>
   </p:clrMapOvr>
-  <p:timing>
-    <p:tnLst>
-      <p:par>
-        <p:cTn id="1" dur="indefinite" restart="never" nodeType="tmRoot"/>
-      </p:par>
-    </p:tnLst>
-  </p:timing>
+</p:sld>
+</file>
+
+<file path=ppt/slides/slide9.xml><?xml version="1.0" encoding="utf-8"?>
+<p:sld xmlns:a="http://schemas.openxmlformats.org/drawingml/2006/main" xmlns:r="http://schemas.openxmlformats.org/officeDocument/2006/relationships" xmlns:p="http://schemas.openxmlformats.org/presentationml/2006/main">
+  <p:cSld>
+    <p:spTree>
+      <p:nvGrpSpPr>
+        <p:cNvPr id="1" name=""/>
+        <p:cNvGrpSpPr/>
+        <p:nvPr/>
+      </p:nvGrpSpPr>
+      <p:grpSpPr>
+        <a:xfrm>
+          <a:off x="0" y="0"/>
+          <a:ext cx="0" cy="0"/>
+          <a:chOff x="0" y="0"/>
+          <a:chExt cx="0" cy="0"/>
+        </a:xfrm>
+      </p:grpSpPr>
+      <p:sp>
+        <p:nvSpPr>
+          <p:cNvPr id="2" name="Заголовок 1"/>
+          <p:cNvSpPr>
+            <a:spLocks noGrp="1"/>
+          </p:cNvSpPr>
+          <p:nvPr>
+            <p:ph type="title"/>
+          </p:nvPr>
+        </p:nvSpPr>
+        <p:spPr>
+          <a:xfrm>
+            <a:off x="-1692613" y="365125"/>
+            <a:ext cx="671209" cy="1325563"/>
+          </a:xfrm>
+        </p:spPr>
+        <p:txBody>
+          <a:bodyPr/>
+          <a:lstStyle/>
+          <a:p>
+            <a:r>
+              <a:rPr lang="ru-RU" dirty="0" smtClean="0"/>
+              <a:t> </a:t>
+            </a:r>
+            <a:endParaRPr lang="ru-RU" dirty="0"/>
+          </a:p>
+        </p:txBody>
+      </p:sp>
+      <p:sp>
+        <p:nvSpPr>
+          <p:cNvPr id="3" name="Объект 2"/>
+          <p:cNvSpPr>
+            <a:spLocks noGrp="1"/>
+          </p:cNvSpPr>
+          <p:nvPr>
+            <p:ph idx="1"/>
+          </p:nvPr>
+        </p:nvSpPr>
+        <p:spPr>
+          <a:xfrm>
+            <a:off x="-1402728" y="1786714"/>
+            <a:ext cx="45719" cy="217184"/>
+          </a:xfrm>
+        </p:spPr>
+        <p:txBody>
+          <a:bodyPr>
+            <a:normAutofit fontScale="40000" lnSpcReduction="20000"/>
+          </a:bodyPr>
+          <a:lstStyle/>
+          <a:p>
+            <a:pPr marL="0" indent="0">
+              <a:buNone/>
+            </a:pPr>
+            <a:r>
+              <a:rPr lang="ru-RU" dirty="0" smtClean="0"/>
+              <a:t> </a:t>
+            </a:r>
+          </a:p>
+          <a:p>
+            <a:endParaRPr lang="ru-RU" dirty="0"/>
+          </a:p>
+        </p:txBody>
+      </p:sp>
+      <p:pic>
+        <p:nvPicPr>
+          <p:cNvPr id="5" name="Рисунок 4"/>
+          <p:cNvPicPr>
+            <a:picLocks noChangeAspect="1"/>
+          </p:cNvPicPr>
+          <p:nvPr/>
+        </p:nvPicPr>
+        <p:blipFill>
+          <a:blip r:embed="rId2"/>
+          <a:stretch>
+            <a:fillRect/>
+          </a:stretch>
+        </p:blipFill>
+        <p:spPr>
+          <a:xfrm>
+            <a:off x="961534" y="0"/>
+            <a:ext cx="10228082" cy="6867327"/>
+          </a:xfrm>
+          <a:prstGeom prst="rect">
+            <a:avLst/>
+          </a:prstGeom>
+        </p:spPr>
+      </p:pic>
+    </p:spTree>
+    <p:extLst>
+      <p:ext uri="{BB962C8B-B14F-4D97-AF65-F5344CB8AC3E}">
+        <p14:creationId xmlns:p14="http://schemas.microsoft.com/office/powerpoint/2010/main" val="1186566701"/>
+      </p:ext>
+    </p:extLst>
+  </p:cSld>
+  <p:clrMapOvr>
+    <a:masterClrMapping/>
+  </p:clrMapOvr>
 </p:sld>
 </file>
 
